--- a/presentation.pptx
+++ b/presentation.pptx
@@ -17,7 +17,7 @@
     <p:sldId id="262" r:id="rId11"/>
     <p:sldId id="258" r:id="rId12"/>
     <p:sldId id="265" r:id="rId13"/>
-    <p:sldId id="266" r:id="rId14"/>
+    <p:sldId id="270" r:id="rId14"/>
   </p:sldIdLst>
   <p:sldSz cx="9144000" cy="6858000" type="screen4x3"/>
   <p:notesSz cx="6858000" cy="9144000"/>
@@ -1612,7 +1612,7 @@
           <a:p>
             <a:fld id="{F032FFFF-F83F-4236-8769-356C75F5C6E1}" type="datetimeFigureOut">
               <a:rPr lang="en-US" smtClean="0"/>
-              <a:t>12/30/2025</a:t>
+              <a:t>12/31/2025</a:t>
             </a:fld>
             <a:endParaRPr lang="en-US"/>
           </a:p>
@@ -1782,7 +1782,7 @@
           <a:p>
             <a:fld id="{F032FFFF-F83F-4236-8769-356C75F5C6E1}" type="datetimeFigureOut">
               <a:rPr lang="en-US" smtClean="0"/>
-              <a:t>12/30/2025</a:t>
+              <a:t>12/31/2025</a:t>
             </a:fld>
             <a:endParaRPr lang="en-US"/>
           </a:p>
@@ -1962,7 +1962,7 @@
           <a:p>
             <a:fld id="{F032FFFF-F83F-4236-8769-356C75F5C6E1}" type="datetimeFigureOut">
               <a:rPr lang="en-US" smtClean="0"/>
-              <a:t>12/30/2025</a:t>
+              <a:t>12/31/2025</a:t>
             </a:fld>
             <a:endParaRPr lang="en-US"/>
           </a:p>
@@ -2132,7 +2132,7 @@
           <a:p>
             <a:fld id="{F032FFFF-F83F-4236-8769-356C75F5C6E1}" type="datetimeFigureOut">
               <a:rPr lang="en-US" smtClean="0"/>
-              <a:t>12/30/2025</a:t>
+              <a:t>12/31/2025</a:t>
             </a:fld>
             <a:endParaRPr lang="en-US"/>
           </a:p>
@@ -2378,7 +2378,7 @@
           <a:p>
             <a:fld id="{F032FFFF-F83F-4236-8769-356C75F5C6E1}" type="datetimeFigureOut">
               <a:rPr lang="en-US" smtClean="0"/>
-              <a:t>12/30/2025</a:t>
+              <a:t>12/31/2025</a:t>
             </a:fld>
             <a:endParaRPr lang="en-US"/>
           </a:p>
@@ -2666,7 +2666,7 @@
           <a:p>
             <a:fld id="{F032FFFF-F83F-4236-8769-356C75F5C6E1}" type="datetimeFigureOut">
               <a:rPr lang="en-US" smtClean="0"/>
-              <a:t>12/30/2025</a:t>
+              <a:t>12/31/2025</a:t>
             </a:fld>
             <a:endParaRPr lang="en-US"/>
           </a:p>
@@ -3088,7 +3088,7 @@
           <a:p>
             <a:fld id="{F032FFFF-F83F-4236-8769-356C75F5C6E1}" type="datetimeFigureOut">
               <a:rPr lang="en-US" smtClean="0"/>
-              <a:t>12/30/2025</a:t>
+              <a:t>12/31/2025</a:t>
             </a:fld>
             <a:endParaRPr lang="en-US"/>
           </a:p>
@@ -3206,7 +3206,7 @@
           <a:p>
             <a:fld id="{F032FFFF-F83F-4236-8769-356C75F5C6E1}" type="datetimeFigureOut">
               <a:rPr lang="en-US" smtClean="0"/>
-              <a:t>12/30/2025</a:t>
+              <a:t>12/31/2025</a:t>
             </a:fld>
             <a:endParaRPr lang="en-US"/>
           </a:p>
@@ -3301,7 +3301,7 @@
           <a:p>
             <a:fld id="{F032FFFF-F83F-4236-8769-356C75F5C6E1}" type="datetimeFigureOut">
               <a:rPr lang="en-US" smtClean="0"/>
-              <a:t>12/30/2025</a:t>
+              <a:t>12/31/2025</a:t>
             </a:fld>
             <a:endParaRPr lang="en-US"/>
           </a:p>
@@ -3578,7 +3578,7 @@
           <a:p>
             <a:fld id="{F032FFFF-F83F-4236-8769-356C75F5C6E1}" type="datetimeFigureOut">
               <a:rPr lang="en-US" smtClean="0"/>
-              <a:t>12/30/2025</a:t>
+              <a:t>12/31/2025</a:t>
             </a:fld>
             <a:endParaRPr lang="en-US"/>
           </a:p>
@@ -3831,7 +3831,7 @@
           <a:p>
             <a:fld id="{F032FFFF-F83F-4236-8769-356C75F5C6E1}" type="datetimeFigureOut">
               <a:rPr lang="en-US" smtClean="0"/>
-              <a:t>12/30/2025</a:t>
+              <a:t>12/31/2025</a:t>
             </a:fld>
             <a:endParaRPr lang="en-US"/>
           </a:p>
@@ -4054,7 +4054,7 @@
           <a:p>
             <a:fld id="{F032FFFF-F83F-4236-8769-356C75F5C6E1}" type="datetimeFigureOut">
               <a:rPr lang="en-US" smtClean="0"/>
-              <a:t>12/30/2025</a:t>
+              <a:t>12/31/2025</a:t>
             </a:fld>
             <a:endParaRPr lang="en-US"/>
           </a:p>
@@ -4726,7 +4726,7 @@
                 <a:ea typeface="EB Garamond" pitchFamily="2" charset="0"/>
                 <a:cs typeface="EB Garamond" pitchFamily="2" charset="0"/>
               </a:rPr>
-              <a:t>Final </a:t>
+              <a:t>Final AICT </a:t>
             </a:r>
             <a:r>
               <a:rPr lang="en-US" sz="1800" b="1" dirty="0" smtClean="0">
@@ -4737,40 +4737,7 @@
                 <a:ea typeface="EB Garamond" pitchFamily="2" charset="0"/>
                 <a:cs typeface="EB Garamond" pitchFamily="2" charset="0"/>
               </a:rPr>
-              <a:t>AICT</a:t>
-            </a:r>
-            <a:r>
-              <a:rPr lang="en-US" sz="1800" b="1" dirty="0" smtClean="0">
-                <a:solidFill>
-                  <a:srgbClr val="640B06"/>
-                </a:solidFill>
-                <a:latin typeface="EB Garamond" pitchFamily="2" charset="0"/>
-                <a:ea typeface="EB Garamond" pitchFamily="2" charset="0"/>
-                <a:cs typeface="EB Garamond" pitchFamily="2" charset="0"/>
-              </a:rPr>
-              <a:t> </a:t>
-            </a:r>
-            <a:r>
-              <a:rPr lang="en-US" sz="1800" b="1" dirty="0">
-                <a:solidFill>
-                  <a:srgbClr val="640B06"/>
-                </a:solidFill>
-                <a:latin typeface="EB Garamond" pitchFamily="2" charset="0"/>
-                <a:ea typeface="EB Garamond" pitchFamily="2" charset="0"/>
-                <a:cs typeface="EB Garamond" pitchFamily="2" charset="0"/>
-              </a:rPr>
-              <a:t>P</a:t>
-            </a:r>
-            <a:r>
-              <a:rPr lang="en-US" sz="1800" b="1" dirty="0" smtClean="0">
-                <a:solidFill>
-                  <a:srgbClr val="640B06"/>
-                </a:solidFill>
-                <a:latin typeface="EB Garamond" pitchFamily="2" charset="0"/>
-                <a:ea typeface="EB Garamond" pitchFamily="2" charset="0"/>
-                <a:cs typeface="EB Garamond" pitchFamily="2" charset="0"/>
-              </a:rPr>
-              <a:t>roject</a:t>
+              <a:t>Project by Hurricanes</a:t>
             </a:r>
             <a:endParaRPr lang="en-US" sz="1800" b="1" dirty="0" smtClean="0">
               <a:solidFill>
@@ -9194,21 +9161,6 @@
 <file path=ppt/slides/slide13.xml><?xml version="1.0" encoding="utf-8"?>
 <p:sld xmlns:a="http://schemas.openxmlformats.org/drawingml/2006/main" xmlns:r="http://schemas.openxmlformats.org/officeDocument/2006/relationships" xmlns:p="http://schemas.openxmlformats.org/presentationml/2006/main">
   <p:cSld>
-    <p:bg>
-      <p:bgPr>
-        <a:blipFill dpi="0" rotWithShape="1">
-          <a:blip r:embed="rId2">
-            <a:alphaModFix amt="87000"/>
-            <a:lum/>
-          </a:blip>
-          <a:srcRect/>
-          <a:stretch>
-            <a:fillRect t="-7000" b="-39000"/>
-          </a:stretch>
-        </a:blipFill>
-        <a:effectLst/>
-      </p:bgPr>
-    </p:bg>
     <p:spTree>
       <p:nvGrpSpPr>
         <p:cNvPr id="1" name=""/>
@@ -9225,51 +9177,6 @@
       </p:grpSpPr>
       <p:sp>
         <p:nvSpPr>
-          <p:cNvPr id="3" name="Rectangle 2"/>
-          <p:cNvSpPr/>
-          <p:nvPr/>
-        </p:nvSpPr>
-        <p:spPr>
-          <a:xfrm>
-            <a:off x="0" y="0"/>
-            <a:ext cx="9144000" cy="6858000"/>
-          </a:xfrm>
-          <a:prstGeom prst="rect">
-            <a:avLst/>
-          </a:prstGeom>
-          <a:solidFill>
-            <a:srgbClr val="633B29">
-              <a:alpha val="68000"/>
-            </a:srgbClr>
-          </a:solidFill>
-        </p:spPr>
-        <p:style>
-          <a:lnRef idx="2">
-            <a:schemeClr val="accent1">
-              <a:shade val="50000"/>
-            </a:schemeClr>
-          </a:lnRef>
-          <a:fillRef idx="1">
-            <a:schemeClr val="accent1"/>
-          </a:fillRef>
-          <a:effectRef idx="0">
-            <a:schemeClr val="accent1"/>
-          </a:effectRef>
-          <a:fontRef idx="minor">
-            <a:schemeClr val="lt1"/>
-          </a:fontRef>
-        </p:style>
-        <p:txBody>
-          <a:bodyPr rtlCol="0" anchor="ctr"/>
-          <a:lstStyle/>
-          <a:p>
-            <a:pPr algn="ctr"/>
-            <a:endParaRPr lang="en-US"/>
-          </a:p>
-        </p:txBody>
-      </p:sp>
-      <p:sp>
-        <p:nvSpPr>
           <p:cNvPr id="2" name="Title 1"/>
           <p:cNvSpPr>
             <a:spLocks noGrp="1"/>
@@ -9280,20 +9187,20 @@
         </p:nvSpPr>
         <p:spPr>
           <a:xfrm>
-            <a:off x="457200" y="3510136"/>
+            <a:off x="395536" y="2780928"/>
             <a:ext cx="8229600" cy="1143000"/>
           </a:xfrm>
         </p:spPr>
         <p:txBody>
           <a:bodyPr>
-            <a:noAutofit/>
+            <a:normAutofit/>
           </a:bodyPr>
           <a:lstStyle/>
           <a:p>
             <a:r>
-              <a:rPr lang="en-US" sz="8000" b="1" dirty="0" smtClean="0">
+              <a:rPr lang="en-US" sz="4800" b="1" dirty="0" smtClean="0">
                 <a:solidFill>
-                  <a:srgbClr val="EEE6CF"/>
+                  <a:srgbClr val="640B06"/>
                 </a:solidFill>
                 <a:effectLst>
                   <a:outerShdw blurRad="38100" dist="38100" dir="2700000" algn="tl">
@@ -9305,11 +9212,11 @@
                 <a:latin typeface="Playfair Display" pitchFamily="2" charset="0"/>
                 <a:cs typeface="Times New Roman" panose="02020603050405020304" pitchFamily="18" charset="0"/>
               </a:rPr>
-              <a:t>THANK YOU</a:t>
+              <a:t>The End.</a:t>
             </a:r>
-            <a:endParaRPr lang="en-US" sz="8000" b="1" dirty="0">
+            <a:endParaRPr lang="en-US" sz="4800" b="1" dirty="0">
               <a:solidFill>
-                <a:srgbClr val="EEE6CF"/>
+                <a:srgbClr val="640B06"/>
               </a:solidFill>
               <a:effectLst>
                 <a:outerShdw blurRad="38100" dist="38100" dir="2700000" algn="tl">
@@ -9324,10 +9231,220 @@
           </a:p>
         </p:txBody>
       </p:sp>
+      <p:sp>
+        <p:nvSpPr>
+          <p:cNvPr id="23" name="Subtitle 2"/>
+          <p:cNvSpPr txBox="1">
+            <a:spLocks/>
+          </p:cNvSpPr>
+          <p:nvPr/>
+        </p:nvSpPr>
+        <p:spPr>
+          <a:xfrm>
+            <a:off x="2503748" y="6381328"/>
+            <a:ext cx="4280520" cy="406896"/>
+          </a:xfrm>
+          <a:prstGeom prst="rect">
+            <a:avLst/>
+          </a:prstGeom>
+        </p:spPr>
+        <p:txBody>
+          <a:bodyPr vert="horz" lIns="91440" tIns="45720" rIns="91440" bIns="45720" rtlCol="0">
+            <a:normAutofit/>
+          </a:bodyPr>
+          <a:lstStyle>
+            <a:lvl1pPr marL="0" indent="0" algn="ctr" defTabSz="914400" rtl="0" eaLnBrk="1" latinLnBrk="0" hangingPunct="1">
+              <a:spcBef>
+                <a:spcPct val="20000"/>
+              </a:spcBef>
+              <a:buFont typeface="Arial" panose="020B0604020202020204" pitchFamily="34" charset="0"/>
+              <a:buNone/>
+              <a:defRPr sz="3200" kern="1200">
+                <a:solidFill>
+                  <a:schemeClr val="tx1">
+                    <a:tint val="75000"/>
+                  </a:schemeClr>
+                </a:solidFill>
+                <a:latin typeface="+mn-lt"/>
+                <a:ea typeface="+mn-ea"/>
+                <a:cs typeface="+mn-cs"/>
+              </a:defRPr>
+            </a:lvl1pPr>
+            <a:lvl2pPr marL="457200" indent="0" algn="ctr" defTabSz="914400" rtl="0" eaLnBrk="1" latinLnBrk="0" hangingPunct="1">
+              <a:spcBef>
+                <a:spcPct val="20000"/>
+              </a:spcBef>
+              <a:buFont typeface="Arial" panose="020B0604020202020204" pitchFamily="34" charset="0"/>
+              <a:buNone/>
+              <a:defRPr sz="2800" kern="1200">
+                <a:solidFill>
+                  <a:schemeClr val="tx1">
+                    <a:tint val="75000"/>
+                  </a:schemeClr>
+                </a:solidFill>
+                <a:latin typeface="+mn-lt"/>
+                <a:ea typeface="+mn-ea"/>
+                <a:cs typeface="+mn-cs"/>
+              </a:defRPr>
+            </a:lvl2pPr>
+            <a:lvl3pPr marL="914400" indent="0" algn="ctr" defTabSz="914400" rtl="0" eaLnBrk="1" latinLnBrk="0" hangingPunct="1">
+              <a:spcBef>
+                <a:spcPct val="20000"/>
+              </a:spcBef>
+              <a:buFont typeface="Arial" panose="020B0604020202020204" pitchFamily="34" charset="0"/>
+              <a:buNone/>
+              <a:defRPr sz="2400" kern="1200">
+                <a:solidFill>
+                  <a:schemeClr val="tx1">
+                    <a:tint val="75000"/>
+                  </a:schemeClr>
+                </a:solidFill>
+                <a:latin typeface="+mn-lt"/>
+                <a:ea typeface="+mn-ea"/>
+                <a:cs typeface="+mn-cs"/>
+              </a:defRPr>
+            </a:lvl3pPr>
+            <a:lvl4pPr marL="1371600" indent="0" algn="ctr" defTabSz="914400" rtl="0" eaLnBrk="1" latinLnBrk="0" hangingPunct="1">
+              <a:spcBef>
+                <a:spcPct val="20000"/>
+              </a:spcBef>
+              <a:buFont typeface="Arial" panose="020B0604020202020204" pitchFamily="34" charset="0"/>
+              <a:buNone/>
+              <a:defRPr sz="2000" kern="1200">
+                <a:solidFill>
+                  <a:schemeClr val="tx1">
+                    <a:tint val="75000"/>
+                  </a:schemeClr>
+                </a:solidFill>
+                <a:latin typeface="+mn-lt"/>
+                <a:ea typeface="+mn-ea"/>
+                <a:cs typeface="+mn-cs"/>
+              </a:defRPr>
+            </a:lvl4pPr>
+            <a:lvl5pPr marL="1828800" indent="0" algn="ctr" defTabSz="914400" rtl="0" eaLnBrk="1" latinLnBrk="0" hangingPunct="1">
+              <a:spcBef>
+                <a:spcPct val="20000"/>
+              </a:spcBef>
+              <a:buFont typeface="Arial" panose="020B0604020202020204" pitchFamily="34" charset="0"/>
+              <a:buNone/>
+              <a:defRPr sz="2000" kern="1200">
+                <a:solidFill>
+                  <a:schemeClr val="tx1">
+                    <a:tint val="75000"/>
+                  </a:schemeClr>
+                </a:solidFill>
+                <a:latin typeface="+mn-lt"/>
+                <a:ea typeface="+mn-ea"/>
+                <a:cs typeface="+mn-cs"/>
+              </a:defRPr>
+            </a:lvl5pPr>
+            <a:lvl6pPr marL="2286000" indent="0" algn="ctr" defTabSz="914400" rtl="0" eaLnBrk="1" latinLnBrk="0" hangingPunct="1">
+              <a:spcBef>
+                <a:spcPct val="20000"/>
+              </a:spcBef>
+              <a:buFont typeface="Arial" panose="020B0604020202020204" pitchFamily="34" charset="0"/>
+              <a:buNone/>
+              <a:defRPr sz="2000" kern="1200">
+                <a:solidFill>
+                  <a:schemeClr val="tx1">
+                    <a:tint val="75000"/>
+                  </a:schemeClr>
+                </a:solidFill>
+                <a:latin typeface="+mn-lt"/>
+                <a:ea typeface="+mn-ea"/>
+                <a:cs typeface="+mn-cs"/>
+              </a:defRPr>
+            </a:lvl6pPr>
+            <a:lvl7pPr marL="2743200" indent="0" algn="ctr" defTabSz="914400" rtl="0" eaLnBrk="1" latinLnBrk="0" hangingPunct="1">
+              <a:spcBef>
+                <a:spcPct val="20000"/>
+              </a:spcBef>
+              <a:buFont typeface="Arial" panose="020B0604020202020204" pitchFamily="34" charset="0"/>
+              <a:buNone/>
+              <a:defRPr sz="2000" kern="1200">
+                <a:solidFill>
+                  <a:schemeClr val="tx1">
+                    <a:tint val="75000"/>
+                  </a:schemeClr>
+                </a:solidFill>
+                <a:latin typeface="+mn-lt"/>
+                <a:ea typeface="+mn-ea"/>
+                <a:cs typeface="+mn-cs"/>
+              </a:defRPr>
+            </a:lvl7pPr>
+            <a:lvl8pPr marL="3200400" indent="0" algn="ctr" defTabSz="914400" rtl="0" eaLnBrk="1" latinLnBrk="0" hangingPunct="1">
+              <a:spcBef>
+                <a:spcPct val="20000"/>
+              </a:spcBef>
+              <a:buFont typeface="Arial" panose="020B0604020202020204" pitchFamily="34" charset="0"/>
+              <a:buNone/>
+              <a:defRPr sz="2000" kern="1200">
+                <a:solidFill>
+                  <a:schemeClr val="tx1">
+                    <a:tint val="75000"/>
+                  </a:schemeClr>
+                </a:solidFill>
+                <a:latin typeface="+mn-lt"/>
+                <a:ea typeface="+mn-ea"/>
+                <a:cs typeface="+mn-cs"/>
+              </a:defRPr>
+            </a:lvl8pPr>
+            <a:lvl9pPr marL="3657600" indent="0" algn="ctr" defTabSz="914400" rtl="0" eaLnBrk="1" latinLnBrk="0" hangingPunct="1">
+              <a:spcBef>
+                <a:spcPct val="20000"/>
+              </a:spcBef>
+              <a:buFont typeface="Arial" panose="020B0604020202020204" pitchFamily="34" charset="0"/>
+              <a:buNone/>
+              <a:defRPr sz="2000" kern="1200">
+                <a:solidFill>
+                  <a:schemeClr val="tx1">
+                    <a:tint val="75000"/>
+                  </a:schemeClr>
+                </a:solidFill>
+                <a:latin typeface="+mn-lt"/>
+                <a:ea typeface="+mn-ea"/>
+                <a:cs typeface="+mn-cs"/>
+              </a:defRPr>
+            </a:lvl9pPr>
+          </a:lstStyle>
+          <a:p>
+            <a:r>
+              <a:rPr lang="en-US" sz="1800" b="1" dirty="0" smtClean="0">
+                <a:solidFill>
+                  <a:srgbClr val="640B06"/>
+                </a:solidFill>
+                <a:latin typeface="EB Garamond" pitchFamily="2" charset="0"/>
+                <a:ea typeface="EB Garamond" pitchFamily="2" charset="0"/>
+                <a:cs typeface="EB Garamond" pitchFamily="2" charset="0"/>
+              </a:rPr>
+              <a:t>Final AICT </a:t>
+            </a:r>
+            <a:r>
+              <a:rPr lang="en-US" sz="1800" b="1" dirty="0" smtClean="0">
+                <a:solidFill>
+                  <a:srgbClr val="640B06"/>
+                </a:solidFill>
+                <a:latin typeface="EB Garamond" pitchFamily="2" charset="0"/>
+                <a:ea typeface="EB Garamond" pitchFamily="2" charset="0"/>
+                <a:cs typeface="EB Garamond" pitchFamily="2" charset="0"/>
+              </a:rPr>
+              <a:t>Project by Hurricanes</a:t>
+            </a:r>
+            <a:endParaRPr lang="en-US" sz="1800" b="1" dirty="0" smtClean="0">
+              <a:solidFill>
+                <a:srgbClr val="640B06"/>
+              </a:solidFill>
+              <a:latin typeface="EB Garamond" pitchFamily="2" charset="0"/>
+              <a:ea typeface="EB Garamond" pitchFamily="2" charset="0"/>
+              <a:cs typeface="EB Garamond" pitchFamily="2" charset="0"/>
+            </a:endParaRPr>
+          </a:p>
+        </p:txBody>
+      </p:sp>
     </p:spTree>
     <p:extLst>
       <p:ext uri="{BB962C8B-B14F-4D97-AF65-F5344CB8AC3E}">
-        <p14:creationId xmlns:p14="http://schemas.microsoft.com/office/powerpoint/2010/main" val="3963469385"/>
+        <p14:creationId xmlns:p14="http://schemas.microsoft.com/office/powerpoint/2010/main" val="1681170243"/>
       </p:ext>
     </p:extLst>
   </p:cSld>
@@ -9441,6 +9558,50 @@
                             </p:childTnLst>
                           </p:cTn>
                         </p:par>
+                        <p:par>
+                          <p:cTn id="10" fill="hold">
+                            <p:stCondLst>
+                              <p:cond delay="1000"/>
+                            </p:stCondLst>
+                            <p:childTnLst>
+                              <p:par>
+                                <p:cTn id="11" presetID="10" presetClass="entr" presetSubtype="0" fill="hold" grpId="0" nodeType="afterEffect">
+                                  <p:stCondLst>
+                                    <p:cond delay="0"/>
+                                  </p:stCondLst>
+                                  <p:childTnLst>
+                                    <p:set>
+                                      <p:cBhvr>
+                                        <p:cTn id="12" dur="1" fill="hold">
+                                          <p:stCondLst>
+                                            <p:cond delay="0"/>
+                                          </p:stCondLst>
+                                        </p:cTn>
+                                        <p:tgtEl>
+                                          <p:spTgt spid="23"/>
+                                        </p:tgtEl>
+                                        <p:attrNameLst>
+                                          <p:attrName>style.visibility</p:attrName>
+                                        </p:attrNameLst>
+                                      </p:cBhvr>
+                                      <p:to>
+                                        <p:strVal val="visible"/>
+                                      </p:to>
+                                    </p:set>
+                                    <p:animEffect transition="in" filter="fade">
+                                      <p:cBhvr>
+                                        <p:cTn id="13" dur="500"/>
+                                        <p:tgtEl>
+                                          <p:spTgt spid="23"/>
+                                        </p:tgtEl>
+                                      </p:cBhvr>
+                                    </p:animEffect>
+                                  </p:childTnLst>
+                                </p:cTn>
+                              </p:par>
+                            </p:childTnLst>
+                          </p:cTn>
+                        </p:par>
                       </p:childTnLst>
                     </p:cTn>
                   </p:par>
@@ -9467,6 +9628,7 @@
     </p:tnLst>
     <p:bldLst>
       <p:bldP spid="2" grpId="0"/>
+      <p:bldP spid="23" grpId="0"/>
     </p:bldLst>
   </p:timing>
 </p:sld>

--- a/presentation.pptx
+++ b/presentation.pptx
@@ -280,7 +280,6 @@
             <c:showLeaderLines val="0"/>
             <c:extLst>
               <c:ext xmlns:c15="http://schemas.microsoft.com/office/drawing/2012/chart" uri="{CE6537A1-D6FC-4f65-9D91-7224C49458BB}">
-                <c15:layout/>
                 <c15:showLeaderLines val="1"/>
                 <c15:leaderLines>
                   <c:spPr>
@@ -668,7 +667,6 @@
               </a:p>
             </c:rich>
           </c:tx>
-          <c:layout/>
           <c:overlay val="0"/>
           <c:spPr>
             <a:noFill/>
@@ -774,7 +772,6 @@
               </a:p>
             </c:rich>
           </c:tx>
-          <c:layout/>
           <c:overlay val="0"/>
           <c:spPr>
             <a:noFill/>
@@ -915,7 +912,6 @@
           </a:p>
         </c:rich>
       </c:tx>
-      <c:layout/>
       <c:overlay val="0"/>
       <c:spPr>
         <a:noFill/>
@@ -1612,7 +1608,7 @@
           <a:p>
             <a:fld id="{F032FFFF-F83F-4236-8769-356C75F5C6E1}" type="datetimeFigureOut">
               <a:rPr lang="en-US" smtClean="0"/>
-              <a:t>12/31/2025</a:t>
+              <a:t>1/4/2026</a:t>
             </a:fld>
             <a:endParaRPr lang="en-US"/>
           </a:p>
@@ -1782,7 +1778,7 @@
           <a:p>
             <a:fld id="{F032FFFF-F83F-4236-8769-356C75F5C6E1}" type="datetimeFigureOut">
               <a:rPr lang="en-US" smtClean="0"/>
-              <a:t>12/31/2025</a:t>
+              <a:t>1/4/2026</a:t>
             </a:fld>
             <a:endParaRPr lang="en-US"/>
           </a:p>
@@ -1962,7 +1958,7 @@
           <a:p>
             <a:fld id="{F032FFFF-F83F-4236-8769-356C75F5C6E1}" type="datetimeFigureOut">
               <a:rPr lang="en-US" smtClean="0"/>
-              <a:t>12/31/2025</a:t>
+              <a:t>1/4/2026</a:t>
             </a:fld>
             <a:endParaRPr lang="en-US"/>
           </a:p>
@@ -2132,7 +2128,7 @@
           <a:p>
             <a:fld id="{F032FFFF-F83F-4236-8769-356C75F5C6E1}" type="datetimeFigureOut">
               <a:rPr lang="en-US" smtClean="0"/>
-              <a:t>12/31/2025</a:t>
+              <a:t>1/4/2026</a:t>
             </a:fld>
             <a:endParaRPr lang="en-US"/>
           </a:p>
@@ -2378,7 +2374,7 @@
           <a:p>
             <a:fld id="{F032FFFF-F83F-4236-8769-356C75F5C6E1}" type="datetimeFigureOut">
               <a:rPr lang="en-US" smtClean="0"/>
-              <a:t>12/31/2025</a:t>
+              <a:t>1/4/2026</a:t>
             </a:fld>
             <a:endParaRPr lang="en-US"/>
           </a:p>
@@ -2666,7 +2662,7 @@
           <a:p>
             <a:fld id="{F032FFFF-F83F-4236-8769-356C75F5C6E1}" type="datetimeFigureOut">
               <a:rPr lang="en-US" smtClean="0"/>
-              <a:t>12/31/2025</a:t>
+              <a:t>1/4/2026</a:t>
             </a:fld>
             <a:endParaRPr lang="en-US"/>
           </a:p>
@@ -3088,7 +3084,7 @@
           <a:p>
             <a:fld id="{F032FFFF-F83F-4236-8769-356C75F5C6E1}" type="datetimeFigureOut">
               <a:rPr lang="en-US" smtClean="0"/>
-              <a:t>12/31/2025</a:t>
+              <a:t>1/4/2026</a:t>
             </a:fld>
             <a:endParaRPr lang="en-US"/>
           </a:p>
@@ -3206,7 +3202,7 @@
           <a:p>
             <a:fld id="{F032FFFF-F83F-4236-8769-356C75F5C6E1}" type="datetimeFigureOut">
               <a:rPr lang="en-US" smtClean="0"/>
-              <a:t>12/31/2025</a:t>
+              <a:t>1/4/2026</a:t>
             </a:fld>
             <a:endParaRPr lang="en-US"/>
           </a:p>
@@ -3301,7 +3297,7 @@
           <a:p>
             <a:fld id="{F032FFFF-F83F-4236-8769-356C75F5C6E1}" type="datetimeFigureOut">
               <a:rPr lang="en-US" smtClean="0"/>
-              <a:t>12/31/2025</a:t>
+              <a:t>1/4/2026</a:t>
             </a:fld>
             <a:endParaRPr lang="en-US"/>
           </a:p>
@@ -3578,7 +3574,7 @@
           <a:p>
             <a:fld id="{F032FFFF-F83F-4236-8769-356C75F5C6E1}" type="datetimeFigureOut">
               <a:rPr lang="en-US" smtClean="0"/>
-              <a:t>12/31/2025</a:t>
+              <a:t>1/4/2026</a:t>
             </a:fld>
             <a:endParaRPr lang="en-US"/>
           </a:p>
@@ -3831,7 +3827,7 @@
           <a:p>
             <a:fld id="{F032FFFF-F83F-4236-8769-356C75F5C6E1}" type="datetimeFigureOut">
               <a:rPr lang="en-US" smtClean="0"/>
-              <a:t>12/31/2025</a:t>
+              <a:t>1/4/2026</a:t>
             </a:fld>
             <a:endParaRPr lang="en-US"/>
           </a:p>
@@ -4054,7 +4050,7 @@
           <a:p>
             <a:fld id="{F032FFFF-F83F-4236-8769-356C75F5C6E1}" type="datetimeFigureOut">
               <a:rPr lang="en-US" smtClean="0"/>
-              <a:t>12/31/2025</a:t>
+              <a:t>1/4/2026</a:t>
             </a:fld>
             <a:endParaRPr lang="en-US"/>
           </a:p>
@@ -4726,27 +4722,8 @@
                 <a:ea typeface="EB Garamond" pitchFamily="2" charset="0"/>
                 <a:cs typeface="EB Garamond" pitchFamily="2" charset="0"/>
               </a:rPr>
-              <a:t>Final AICT </a:t>
+              <a:t>Final AICT Project by Hurricanes</a:t>
             </a:r>
-            <a:r>
-              <a:rPr lang="en-US" sz="1800" b="1" dirty="0" smtClean="0">
-                <a:solidFill>
-                  <a:srgbClr val="640B06"/>
-                </a:solidFill>
-                <a:latin typeface="EB Garamond" pitchFamily="2" charset="0"/>
-                <a:ea typeface="EB Garamond" pitchFamily="2" charset="0"/>
-                <a:cs typeface="EB Garamond" pitchFamily="2" charset="0"/>
-              </a:rPr>
-              <a:t>Project by Hurricanes</a:t>
-            </a:r>
-            <a:endParaRPr lang="en-US" sz="1800" b="1" dirty="0" smtClean="0">
-              <a:solidFill>
-                <a:srgbClr val="640B06"/>
-              </a:solidFill>
-              <a:latin typeface="EB Garamond" pitchFamily="2" charset="0"/>
-              <a:ea typeface="EB Garamond" pitchFamily="2" charset="0"/>
-              <a:cs typeface="EB Garamond" pitchFamily="2" charset="0"/>
-            </a:endParaRPr>
           </a:p>
         </p:txBody>
       </p:sp>
@@ -5400,7 +5377,9 @@
         </p:grpSpPr>
         <p:sp>
           <p:nvSpPr>
-            <p:cNvPr id="12" name="Rounded Rectangle 11"/>
+            <p:cNvPr id="12" name="Rounded Rectangle 11">
+              <a:hlinkClick r:id="rId3"/>
+            </p:cNvPr>
             <p:cNvSpPr/>
             <p:nvPr/>
           </p:nvSpPr>
@@ -5499,7 +5478,7 @@
             <p:nvPr/>
           </p:nvPicPr>
           <p:blipFill>
-            <a:blip r:embed="rId3" cstate="print">
+            <a:blip r:embed="rId4" cstate="print">
               <a:lum bright="70000" contrast="-70000"/>
               <a:extLst>
                 <a:ext uri="{28A0092B-C50C-407E-A947-70E740481C1C}">
@@ -5736,7 +5715,7 @@
             <p:nvPr/>
           </p:nvPicPr>
           <p:blipFill>
-            <a:blip r:embed="rId4" cstate="print">
+            <a:blip r:embed="rId5" cstate="print">
               <a:duotone>
                 <a:prstClr val="black"/>
                 <a:srgbClr val="D9C3A5">
@@ -5792,7 +5771,9 @@
         </p:grpSpPr>
         <p:sp>
           <p:nvSpPr>
-            <p:cNvPr id="30" name="Rounded Rectangle 29"/>
+            <p:cNvPr id="30" name="Rounded Rectangle 29">
+              <a:hlinkClick r:id="rId6"/>
+            </p:cNvPr>
             <p:cNvSpPr/>
             <p:nvPr/>
           </p:nvSpPr>
@@ -5891,7 +5872,7 @@
             <p:nvPr/>
           </p:nvPicPr>
           <p:blipFill>
-            <a:blip r:embed="rId3" cstate="print">
+            <a:blip r:embed="rId4" cstate="print">
               <a:lum bright="70000" contrast="-70000"/>
               <a:extLst>
                 <a:ext uri="{28A0092B-C50C-407E-A947-70E740481C1C}">
@@ -9417,27 +9398,8 @@
                 <a:ea typeface="EB Garamond" pitchFamily="2" charset="0"/>
                 <a:cs typeface="EB Garamond" pitchFamily="2" charset="0"/>
               </a:rPr>
-              <a:t>Final AICT </a:t>
+              <a:t>Final AICT Project by Hurricanes</a:t>
             </a:r>
-            <a:r>
-              <a:rPr lang="en-US" sz="1800" b="1" dirty="0" smtClean="0">
-                <a:solidFill>
-                  <a:srgbClr val="640B06"/>
-                </a:solidFill>
-                <a:latin typeface="EB Garamond" pitchFamily="2" charset="0"/>
-                <a:ea typeface="EB Garamond" pitchFamily="2" charset="0"/>
-                <a:cs typeface="EB Garamond" pitchFamily="2" charset="0"/>
-              </a:rPr>
-              <a:t>Project by Hurricanes</a:t>
-            </a:r>
-            <a:endParaRPr lang="en-US" sz="1800" b="1" dirty="0" smtClean="0">
-              <a:solidFill>
-                <a:srgbClr val="640B06"/>
-              </a:solidFill>
-              <a:latin typeface="EB Garamond" pitchFamily="2" charset="0"/>
-              <a:ea typeface="EB Garamond" pitchFamily="2" charset="0"/>
-              <a:cs typeface="EB Garamond" pitchFamily="2" charset="0"/>
-            </a:endParaRPr>
           </a:p>
         </p:txBody>
       </p:sp>
